--- a/CPE Electives (1 - 3)/01. Lectures Notebook/000. Presentations & Text Books/01. Presentation Slides/34. Semantics & Sentiment Analysis.pptx
+++ b/CPE Electives (1 - 3)/01. Lectures Notebook/000. Presentations & Text Books/01. Presentation Slides/34. Semantics & Sentiment Analysis.pptx
@@ -236,7 +236,7 @@
           <a:p>
             <a:fld id="{3B6B94FD-5702-4F25-9A4D-07294FF3292C}" type="datetimeFigureOut">
               <a:rPr lang="en-PH" smtClean="0"/>
-              <a:t>20 Nov 2025</a:t>
+              <a:t>26 Nov 2025</a:t>
             </a:fld>
             <a:endParaRPr lang="en-PH"/>
           </a:p>
@@ -401,7 +401,7 @@
           <a:p>
             <a:fld id="{8365AC51-C568-4371-A28D-D14CF2BCF8BA}" type="datetimeFigureOut">
               <a:rPr lang="en-US" smtClean="0"/>
-              <a:t>11/20/2025</a:t>
+              <a:t>11/26/2025</a:t>
             </a:fld>
             <a:endParaRPr lang="en-US"/>
           </a:p>
